--- a/docs/Agile/Retro - Sprint 3.pptx
+++ b/docs/Agile/Retro - Sprint 3.pptx
@@ -8161,7 +8161,7 @@
         </p:spPr>
         <p:txBody>
           <a:bodyPr vert="horz" lIns="91440" tIns="45720" rIns="91440" bIns="45720" rtlCol="0">
-            <a:normAutofit/>
+            <a:normAutofit fontScale="92500"/>
           </a:bodyPr>
           <a:lstStyle>
             <a:lvl1pPr marL="342900" indent="-342900" algn="l" defTabSz="457200" rtl="0" eaLnBrk="1" latinLnBrk="0" hangingPunct="1">
@@ -8327,18 +8327,25 @@
             <a:pPr lvl="1"/>
             <a:r>
               <a:rPr lang="en-US" dirty="0" smtClean="0"/>
-              <a:t>Didn’t finish all stories due to services delays</a:t>
+              <a:t>Didn’t finish all stories due to </a:t>
+            </a:r>
+            <a:r>
+              <a:rPr lang="en-US" smtClean="0"/>
+              <a:t>services delays</a:t>
             </a:r>
           </a:p>
           <a:p>
             <a:pPr lvl="1"/>
             <a:r>
-              <a:rPr lang="en-US" smtClean="0"/>
-              <a:t>Improve </a:t>
-            </a:r>
-            <a:r>
               <a:rPr lang="en-US" dirty="0" smtClean="0"/>
-              <a:t>communication between teams</a:t>
+              <a:t>UI/UX and data services aren’t able to provide enough runway to front end development</a:t>
+            </a:r>
+          </a:p>
+          <a:p>
+            <a:pPr lvl="1"/>
+            <a:r>
+              <a:rPr lang="en-US" dirty="0" smtClean="0"/>
+              <a:t>Improve communication between teams</a:t>
             </a:r>
             <a:endParaRPr lang="en-US" dirty="0" smtClean="0"/>
           </a:p>
